--- a/programming/2018/ch_5_object.pptx
+++ b/programming/2018/ch_5_object.pptx
@@ -291,7 +291,7 @@
               <a:pPr>
                 <a:defRPr/>
               </a:pPr>
-              <a:t>2020/10/16</a:t>
+              <a:t>2020/10/30</a:t>
             </a:fld>
             <a:endParaRPr lang="zh-CN" altLang="en-US"/>
           </a:p>
@@ -511,7 +511,7 @@
               <a:pPr>
                 <a:defRPr/>
               </a:pPr>
-              <a:t>2020/10/16</a:t>
+              <a:t>2020/10/30</a:t>
             </a:fld>
             <a:endParaRPr lang="en-US"/>
           </a:p>
@@ -1072,7 +1072,7 @@
               <a:pPr>
                 <a:defRPr/>
               </a:pPr>
-              <a:t>2020/10/16</a:t>
+              <a:t>2020/10/30</a:t>
             </a:fld>
             <a:endParaRPr lang="zh-CN" altLang="en-US"/>
           </a:p>
@@ -1316,7 +1316,7 @@
               <a:pPr>
                 <a:defRPr/>
               </a:pPr>
-              <a:t>2020/10/16</a:t>
+              <a:t>2020/10/30</a:t>
             </a:fld>
             <a:endParaRPr lang="zh-CN" altLang="en-US"/>
           </a:p>
@@ -1560,7 +1560,7 @@
               <a:pPr>
                 <a:defRPr/>
               </a:pPr>
-              <a:t>2020/10/16</a:t>
+              <a:t>2020/10/30</a:t>
             </a:fld>
             <a:endParaRPr lang="zh-CN" altLang="en-US"/>
           </a:p>
@@ -1866,7 +1866,7 @@
               <a:pPr>
                 <a:defRPr/>
               </a:pPr>
-              <a:t>2020/10/16</a:t>
+              <a:t>2020/10/30</a:t>
             </a:fld>
             <a:endParaRPr lang="zh-CN" altLang="en-US"/>
           </a:p>
@@ -2110,7 +2110,7 @@
               <a:pPr>
                 <a:defRPr/>
               </a:pPr>
-              <a:t>2020/10/16</a:t>
+              <a:t>2020/10/30</a:t>
             </a:fld>
             <a:endParaRPr lang="zh-CN" altLang="en-US"/>
           </a:p>
@@ -2421,7 +2421,7 @@
               <a:pPr>
                 <a:defRPr/>
               </a:pPr>
-              <a:t>2020/10/16</a:t>
+              <a:t>2020/10/30</a:t>
             </a:fld>
             <a:endParaRPr lang="zh-CN" altLang="en-US"/>
           </a:p>
@@ -2780,7 +2780,7 @@
               <a:pPr>
                 <a:defRPr/>
               </a:pPr>
-              <a:t>2020/10/16</a:t>
+              <a:t>2020/10/30</a:t>
             </a:fld>
             <a:endParaRPr lang="zh-CN" altLang="en-US"/>
           </a:p>
@@ -3279,7 +3279,7 @@
               <a:pPr>
                 <a:defRPr/>
               </a:pPr>
-              <a:t>2020/10/16</a:t>
+              <a:t>2020/10/30</a:t>
             </a:fld>
             <a:endParaRPr lang="zh-CN" altLang="en-US"/>
           </a:p>
@@ -3464,7 +3464,7 @@
               <a:pPr>
                 <a:defRPr/>
               </a:pPr>
-              <a:t>2020/10/16</a:t>
+              <a:t>2020/10/30</a:t>
             </a:fld>
             <a:endParaRPr lang="zh-CN" altLang="en-US"/>
           </a:p>
@@ -3619,7 +3619,7 @@
               <a:pPr>
                 <a:defRPr/>
               </a:pPr>
-              <a:t>2020/10/16</a:t>
+              <a:t>2020/10/30</a:t>
             </a:fld>
             <a:endParaRPr lang="zh-CN" altLang="en-US"/>
           </a:p>
@@ -3963,7 +3963,7 @@
               <a:pPr>
                 <a:defRPr/>
               </a:pPr>
-              <a:t>2020/10/16</a:t>
+              <a:t>2020/10/30</a:t>
             </a:fld>
             <a:endParaRPr lang="zh-CN" altLang="en-US"/>
           </a:p>
@@ -4441,7 +4441,7 @@
               <a:pPr>
                 <a:defRPr/>
               </a:pPr>
-              <a:t>2020/10/16</a:t>
+              <a:t>2020/10/30</a:t>
             </a:fld>
             <a:endParaRPr lang="zh-CN" altLang="en-US"/>
           </a:p>
@@ -4685,7 +4685,7 @@
               <a:pPr>
                 <a:defRPr/>
               </a:pPr>
-              <a:t>2020/10/16</a:t>
+              <a:t>2020/10/30</a:t>
             </a:fld>
             <a:endParaRPr lang="zh-CN" altLang="en-US"/>
           </a:p>
@@ -4929,7 +4929,7 @@
               <a:pPr>
                 <a:defRPr/>
               </a:pPr>
-              <a:t>2020/10/16</a:t>
+              <a:t>2020/10/30</a:t>
             </a:fld>
             <a:endParaRPr lang="zh-CN" altLang="en-US"/>
           </a:p>
@@ -5240,7 +5240,7 @@
               <a:pPr>
                 <a:defRPr/>
               </a:pPr>
-              <a:t>2020/10/16</a:t>
+              <a:t>2020/10/30</a:t>
             </a:fld>
             <a:endParaRPr lang="zh-CN" altLang="en-US"/>
           </a:p>
@@ -5599,7 +5599,7 @@
               <a:pPr>
                 <a:defRPr/>
               </a:pPr>
-              <a:t>2020/10/16</a:t>
+              <a:t>2020/10/30</a:t>
             </a:fld>
             <a:endParaRPr lang="zh-CN" altLang="en-US"/>
           </a:p>
@@ -6098,7 +6098,7 @@
               <a:pPr>
                 <a:defRPr/>
               </a:pPr>
-              <a:t>2020/10/16</a:t>
+              <a:t>2020/10/30</a:t>
             </a:fld>
             <a:endParaRPr lang="zh-CN" altLang="en-US"/>
           </a:p>
@@ -6283,7 +6283,7 @@
               <a:pPr>
                 <a:defRPr/>
               </a:pPr>
-              <a:t>2020/10/16</a:t>
+              <a:t>2020/10/30</a:t>
             </a:fld>
             <a:endParaRPr lang="zh-CN" altLang="en-US"/>
           </a:p>
@@ -6438,7 +6438,7 @@
               <a:pPr>
                 <a:defRPr/>
               </a:pPr>
-              <a:t>2020/10/16</a:t>
+              <a:t>2020/10/30</a:t>
             </a:fld>
             <a:endParaRPr lang="zh-CN" altLang="en-US"/>
           </a:p>
@@ -6782,7 +6782,7 @@
               <a:pPr>
                 <a:defRPr/>
               </a:pPr>
-              <a:t>2020/10/16</a:t>
+              <a:t>2020/10/30</a:t>
             </a:fld>
             <a:endParaRPr lang="zh-CN" altLang="en-US"/>
           </a:p>
@@ -7104,7 +7104,7 @@
               <a:pPr>
                 <a:defRPr/>
               </a:pPr>
-              <a:t>2020/10/16</a:t>
+              <a:t>2020/10/30</a:t>
             </a:fld>
             <a:endParaRPr lang="zh-CN" altLang="en-US"/>
           </a:p>
@@ -8295,11 +8295,11 @@
           <a:p>
             <a:pPr algn="ctr"/>
             <a:r>
-              <a:rPr lang="en-US" altLang="zh-CN" sz="2400" b="1">
+              <a:rPr lang="en-US" altLang="zh-CN" sz="2400" b="1" dirty="0">
                 <a:latin typeface="Adobe 黑体 Std R" panose="020B0400000000000000" pitchFamily="34" charset="-122"/>
                 <a:ea typeface="Adobe 黑体 Std R" panose="020B0400000000000000" pitchFamily="34" charset="-122"/>
               </a:rPr>
-              <a:t>2020/10/16</a:t>
+              <a:t>2020/10/30</a:t>
             </a:r>
             <a:endParaRPr lang="en-US" altLang="zh-CN" sz="2400" b="1" dirty="0">
               <a:ln w="12700">

--- a/programming/2018/ch_5_object.pptx
+++ b/programming/2018/ch_5_object.pptx
@@ -291,7 +291,7 @@
               <a:pPr>
                 <a:defRPr/>
               </a:pPr>
-              <a:t>2020/10/30</a:t>
+              <a:t>2020/11/13</a:t>
             </a:fld>
             <a:endParaRPr lang="zh-CN" altLang="en-US"/>
           </a:p>
@@ -511,7 +511,7 @@
               <a:pPr>
                 <a:defRPr/>
               </a:pPr>
-              <a:t>2020/10/30</a:t>
+              <a:t>2020/11/13</a:t>
             </a:fld>
             <a:endParaRPr lang="en-US"/>
           </a:p>
@@ -1072,7 +1072,7 @@
               <a:pPr>
                 <a:defRPr/>
               </a:pPr>
-              <a:t>2020/10/30</a:t>
+              <a:t>2020/11/13</a:t>
             </a:fld>
             <a:endParaRPr lang="zh-CN" altLang="en-US"/>
           </a:p>
@@ -1316,7 +1316,7 @@
               <a:pPr>
                 <a:defRPr/>
               </a:pPr>
-              <a:t>2020/10/30</a:t>
+              <a:t>2020/11/13</a:t>
             </a:fld>
             <a:endParaRPr lang="zh-CN" altLang="en-US"/>
           </a:p>
@@ -1560,7 +1560,7 @@
               <a:pPr>
                 <a:defRPr/>
               </a:pPr>
-              <a:t>2020/10/30</a:t>
+              <a:t>2020/11/13</a:t>
             </a:fld>
             <a:endParaRPr lang="zh-CN" altLang="en-US"/>
           </a:p>
@@ -1866,7 +1866,7 @@
               <a:pPr>
                 <a:defRPr/>
               </a:pPr>
-              <a:t>2020/10/30</a:t>
+              <a:t>2020/11/13</a:t>
             </a:fld>
             <a:endParaRPr lang="zh-CN" altLang="en-US"/>
           </a:p>
@@ -2110,7 +2110,7 @@
               <a:pPr>
                 <a:defRPr/>
               </a:pPr>
-              <a:t>2020/10/30</a:t>
+              <a:t>2020/11/13</a:t>
             </a:fld>
             <a:endParaRPr lang="zh-CN" altLang="en-US"/>
           </a:p>
@@ -2421,7 +2421,7 @@
               <a:pPr>
                 <a:defRPr/>
               </a:pPr>
-              <a:t>2020/10/30</a:t>
+              <a:t>2020/11/13</a:t>
             </a:fld>
             <a:endParaRPr lang="zh-CN" altLang="en-US"/>
           </a:p>
@@ -2780,7 +2780,7 @@
               <a:pPr>
                 <a:defRPr/>
               </a:pPr>
-              <a:t>2020/10/30</a:t>
+              <a:t>2020/11/13</a:t>
             </a:fld>
             <a:endParaRPr lang="zh-CN" altLang="en-US"/>
           </a:p>
@@ -3279,7 +3279,7 @@
               <a:pPr>
                 <a:defRPr/>
               </a:pPr>
-              <a:t>2020/10/30</a:t>
+              <a:t>2020/11/13</a:t>
             </a:fld>
             <a:endParaRPr lang="zh-CN" altLang="en-US"/>
           </a:p>
@@ -3464,7 +3464,7 @@
               <a:pPr>
                 <a:defRPr/>
               </a:pPr>
-              <a:t>2020/10/30</a:t>
+              <a:t>2020/11/13</a:t>
             </a:fld>
             <a:endParaRPr lang="zh-CN" altLang="en-US"/>
           </a:p>
@@ -3619,7 +3619,7 @@
               <a:pPr>
                 <a:defRPr/>
               </a:pPr>
-              <a:t>2020/10/30</a:t>
+              <a:t>2020/11/13</a:t>
             </a:fld>
             <a:endParaRPr lang="zh-CN" altLang="en-US"/>
           </a:p>
@@ -3963,7 +3963,7 @@
               <a:pPr>
                 <a:defRPr/>
               </a:pPr>
-              <a:t>2020/10/30</a:t>
+              <a:t>2020/11/13</a:t>
             </a:fld>
             <a:endParaRPr lang="zh-CN" altLang="en-US"/>
           </a:p>
@@ -4441,7 +4441,7 @@
               <a:pPr>
                 <a:defRPr/>
               </a:pPr>
-              <a:t>2020/10/30</a:t>
+              <a:t>2020/11/13</a:t>
             </a:fld>
             <a:endParaRPr lang="zh-CN" altLang="en-US"/>
           </a:p>
@@ -4685,7 +4685,7 @@
               <a:pPr>
                 <a:defRPr/>
               </a:pPr>
-              <a:t>2020/10/30</a:t>
+              <a:t>2020/11/13</a:t>
             </a:fld>
             <a:endParaRPr lang="zh-CN" altLang="en-US"/>
           </a:p>
@@ -4929,7 +4929,7 @@
               <a:pPr>
                 <a:defRPr/>
               </a:pPr>
-              <a:t>2020/10/30</a:t>
+              <a:t>2020/11/13</a:t>
             </a:fld>
             <a:endParaRPr lang="zh-CN" altLang="en-US"/>
           </a:p>
@@ -5240,7 +5240,7 @@
               <a:pPr>
                 <a:defRPr/>
               </a:pPr>
-              <a:t>2020/10/30</a:t>
+              <a:t>2020/11/13</a:t>
             </a:fld>
             <a:endParaRPr lang="zh-CN" altLang="en-US"/>
           </a:p>
@@ -5599,7 +5599,7 @@
               <a:pPr>
                 <a:defRPr/>
               </a:pPr>
-              <a:t>2020/10/30</a:t>
+              <a:t>2020/11/13</a:t>
             </a:fld>
             <a:endParaRPr lang="zh-CN" altLang="en-US"/>
           </a:p>
@@ -6098,7 +6098,7 @@
               <a:pPr>
                 <a:defRPr/>
               </a:pPr>
-              <a:t>2020/10/30</a:t>
+              <a:t>2020/11/13</a:t>
             </a:fld>
             <a:endParaRPr lang="zh-CN" altLang="en-US"/>
           </a:p>
@@ -6283,7 +6283,7 @@
               <a:pPr>
                 <a:defRPr/>
               </a:pPr>
-              <a:t>2020/10/30</a:t>
+              <a:t>2020/11/13</a:t>
             </a:fld>
             <a:endParaRPr lang="zh-CN" altLang="en-US"/>
           </a:p>
@@ -6438,7 +6438,7 @@
               <a:pPr>
                 <a:defRPr/>
               </a:pPr>
-              <a:t>2020/10/30</a:t>
+              <a:t>2020/11/13</a:t>
             </a:fld>
             <a:endParaRPr lang="zh-CN" altLang="en-US"/>
           </a:p>
@@ -6782,7 +6782,7 @@
               <a:pPr>
                 <a:defRPr/>
               </a:pPr>
-              <a:t>2020/10/30</a:t>
+              <a:t>2020/11/13</a:t>
             </a:fld>
             <a:endParaRPr lang="zh-CN" altLang="en-US"/>
           </a:p>
@@ -7104,7 +7104,7 @@
               <a:pPr>
                 <a:defRPr/>
               </a:pPr>
-              <a:t>2020/10/30</a:t>
+              <a:t>2020/11/13</a:t>
             </a:fld>
             <a:endParaRPr lang="zh-CN" altLang="en-US"/>
           </a:p>
@@ -8299,7 +8299,7 @@
                 <a:latin typeface="Adobe 黑体 Std R" panose="020B0400000000000000" pitchFamily="34" charset="-122"/>
                 <a:ea typeface="Adobe 黑体 Std R" panose="020B0400000000000000" pitchFamily="34" charset="-122"/>
               </a:rPr>
-              <a:t>2020/10/30</a:t>
+              <a:t>2020/11/13</a:t>
             </a:r>
             <a:endParaRPr lang="en-US" altLang="zh-CN" sz="2400" b="1" dirty="0">
               <a:ln w="12700">
